--- a/courses/ese605-spring2020/lecture-slides/logistics.pptx
+++ b/courses/ese605-spring2020/lecture-slides/logistics.pptx
@@ -6400,7 +6400,7 @@
         <p:spPr>
           <a:xfrm>
             <a:off x="310449" y="886718"/>
-            <a:ext cx="8523102" cy="3970318"/>
+            <a:ext cx="8523102" cy="3693319"/>
           </a:xfrm>
           <a:prstGeom prst="rect">
             <a:avLst/>
@@ -6450,7 +6450,17 @@
             </a:r>
             <a:r>
               <a:rPr lang="en-US" dirty="0"/>
-              <a:t>.  You are allowed, even encouraged, to work on homework in small groups, but you must write up your own homework to hand in.  Homework will be graded on a scale of 0-4.</a:t>
+              <a:t>.  Please use the </a:t>
+            </a:r>
+            <a:r>
+              <a:rPr lang="en-US" dirty="0">
+                <a:hlinkClick r:id="rId2"/>
+              </a:rPr>
+              <a:t>LaTeX templates</a:t>
+            </a:r>
+            <a:r>
+              <a:rPr lang="en-US" dirty="0"/>
+              <a:t> provided by Stephen Boyd's EE364b course, and follow the recommended style guide.  You are allowed, even encouraged, to work on homework in small groups, but you must write up your own homework to hand in.  Homework will be graded on a scale of 0-4.</a:t>
             </a:r>
             <a:endParaRPr lang="en-US" b="1" dirty="0"/>
           </a:p>
@@ -6510,30 +6520,6 @@
             <a:r>
               <a:rPr lang="en-US" dirty="0"/>
               <a:t>there will be a take-home final exam during the final exam period.</a:t>
-            </a:r>
-          </a:p>
-          <a:p>
-            <a:pPr marL="285750" indent="-285750">
-              <a:buFont typeface="Arial" panose="020B0604020202020204" pitchFamily="34" charset="0"/>
-              <a:buChar char="•"/>
-            </a:pPr>
-            <a:r>
-              <a:rPr lang="en-US" b="1" dirty="0"/>
-              <a:t>Code of Academic Integrity: </a:t>
-            </a:r>
-            <a:r>
-              <a:rPr lang="en-US" dirty="0"/>
-              <a:t>All students are expected to adhere to the University’s </a:t>
-            </a:r>
-            <a:r>
-              <a:rPr lang="en-US" u="sng" dirty="0">
-                <a:hlinkClick r:id="rId2"/>
-              </a:rPr>
-              <a:t>Code of Academic Integrity</a:t>
-            </a:r>
-            <a:r>
-              <a:rPr lang="en-US" dirty="0"/>
-              <a:t>.  </a:t>
             </a:r>
           </a:p>
         </p:txBody>
@@ -6786,67 +6772,6 @@
                                           <p:spTgt spid="29">
                                             <p:txEl>
                                               <p:pRg st="3" end="3"/>
-                                            </p:txEl>
-                                          </p:spTgt>
-                                        </p:tgtEl>
-                                      </p:cBhvr>
-                                    </p:animEffect>
-                                  </p:childTnLst>
-                                </p:cTn>
-                              </p:par>
-                            </p:childTnLst>
-                          </p:cTn>
-                        </p:par>
-                      </p:childTnLst>
-                    </p:cTn>
-                  </p:par>
-                  <p:par>
-                    <p:cTn id="23" fill="hold">
-                      <p:stCondLst>
-                        <p:cond delay="indefinite"/>
-                      </p:stCondLst>
-                      <p:childTnLst>
-                        <p:par>
-                          <p:cTn id="24" fill="hold">
-                            <p:stCondLst>
-                              <p:cond delay="0"/>
-                            </p:stCondLst>
-                            <p:childTnLst>
-                              <p:par>
-                                <p:cTn id="25" presetID="9" presetClass="entr" presetSubtype="0" fill="hold" nodeType="clickEffect">
-                                  <p:stCondLst>
-                                    <p:cond delay="0"/>
-                                  </p:stCondLst>
-                                  <p:childTnLst>
-                                    <p:set>
-                                      <p:cBhvr>
-                                        <p:cTn id="26" dur="1" fill="hold">
-                                          <p:stCondLst>
-                                            <p:cond delay="0"/>
-                                          </p:stCondLst>
-                                        </p:cTn>
-                                        <p:tgtEl>
-                                          <p:spTgt spid="29">
-                                            <p:txEl>
-                                              <p:pRg st="4" end="4"/>
-                                            </p:txEl>
-                                          </p:spTgt>
-                                        </p:tgtEl>
-                                        <p:attrNameLst>
-                                          <p:attrName>style.visibility</p:attrName>
-                                        </p:attrNameLst>
-                                      </p:cBhvr>
-                                      <p:to>
-                                        <p:strVal val="visible"/>
-                                      </p:to>
-                                    </p:set>
-                                    <p:animEffect transition="in" filter="dissolve">
-                                      <p:cBhvr>
-                                        <p:cTn id="27" dur="500"/>
-                                        <p:tgtEl>
-                                          <p:spTgt spid="29">
-                                            <p:txEl>
-                                              <p:pRg st="4" end="4"/>
                                             </p:txEl>
                                           </p:spTgt>
                                         </p:tgtEl>
